--- a/Здравно-профилактична платформа.pptx
+++ b/Здравно-профилактична платформа.pptx
@@ -6,14 +6,12 @@
   </p:sldMasterIdLst>
   <p:sldIdLst>
     <p:sldId id="256" r:id="rId2"/>
-    <p:sldId id="266" r:id="rId3"/>
-    <p:sldId id="259" r:id="rId4"/>
-    <p:sldId id="260" r:id="rId5"/>
-    <p:sldId id="261" r:id="rId6"/>
-    <p:sldId id="262" r:id="rId7"/>
-    <p:sldId id="263" r:id="rId8"/>
-    <p:sldId id="264" r:id="rId9"/>
-    <p:sldId id="265" r:id="rId10"/>
+    <p:sldId id="267" r:id="rId3"/>
+    <p:sldId id="266" r:id="rId4"/>
+    <p:sldId id="262" r:id="rId5"/>
+    <p:sldId id="263" r:id="rId6"/>
+    <p:sldId id="264" r:id="rId7"/>
+    <p:sldId id="265" r:id="rId8"/>
   </p:sldIdLst>
   <p:sldSz cx="9144000" cy="6858000" type="screen4x3"/>
   <p:notesSz cx="6858000" cy="9144000"/>
@@ -3240,12 +3238,8 @@
               <a:t>Мартин Дамянов, </a:t>
             </a:r>
             <a:r>
-              <a:rPr lang="bg-BG" dirty="0" err="1" smtClean="0"/>
-              <a:t>Стелиан</a:t>
-            </a:r>
-            <a:r>
               <a:rPr lang="bg-BG" dirty="0" smtClean="0"/>
-              <a:t> </a:t>
+              <a:t>Стелиян </a:t>
             </a:r>
             <a:r>
               <a:rPr lang="bg-BG" dirty="0" err="1" smtClean="0"/>
@@ -3298,7 +3292,7 @@
       </p:grpSpPr>
       <p:sp>
         <p:nvSpPr>
-          <p:cNvPr id="3" name="Title 2"/>
+          <p:cNvPr id="2" name="Title 1"/>
           <p:cNvSpPr>
             <a:spLocks noGrp="1"/>
           </p:cNvSpPr>
@@ -3313,7 +3307,11 @@
           <a:p>
             <a:r>
               <a:rPr lang="bg-BG" dirty="0" smtClean="0"/>
-              <a:t>Проблем</a:t>
+              <a:t>Членове на</a:t>
+            </a:r>
+            <a:r>
+              <a:rPr lang="en-US" dirty="0" smtClean="0"/>
+              <a:t> Bri4ka</a:t>
             </a:r>
             <a:endParaRPr lang="bg-BG" dirty="0"/>
           </a:p>
@@ -3321,12 +3319,12 @@
       </p:sp>
       <p:sp>
         <p:nvSpPr>
-          <p:cNvPr id="2" name="Content Placeholder 1"/>
-          <p:cNvSpPr>
-            <a:spLocks noGrp="1"/>
-          </p:cNvSpPr>
-          <p:nvPr>
-            <p:ph idx="1"/>
+          <p:cNvPr id="3" name="Content Placeholder 2"/>
+          <p:cNvSpPr>
+            <a:spLocks noGrp="1"/>
+          </p:cNvSpPr>
+          <p:nvPr>
+            <p:ph sz="half" idx="1"/>
           </p:nvPr>
         </p:nvSpPr>
         <p:spPr/>
@@ -3336,7 +3334,82 @@
           <a:p>
             <a:r>
               <a:rPr lang="bg-BG" dirty="0" smtClean="0"/>
-              <a:t>Т</a:t>
+              <a:t>Мартин</a:t>
+            </a:r>
+          </a:p>
+          <a:p>
+            <a:r>
+              <a:rPr lang="bg-BG" dirty="0" smtClean="0"/>
+              <a:t>Стелиян</a:t>
+            </a:r>
+          </a:p>
+          <a:p>
+            <a:r>
+              <a:rPr lang="bg-BG" dirty="0" smtClean="0"/>
+              <a:t>Владислав</a:t>
+            </a:r>
+          </a:p>
+          <a:p>
+            <a:r>
+              <a:rPr lang="bg-BG" dirty="0" smtClean="0"/>
+              <a:t>Петър</a:t>
+            </a:r>
+          </a:p>
+          <a:p>
+            <a:r>
+              <a:rPr lang="bg-BG" dirty="0" smtClean="0"/>
+              <a:t>Виктория</a:t>
+            </a:r>
+          </a:p>
+          <a:p>
+            <a:endParaRPr lang="bg-BG" dirty="0"/>
+          </a:p>
+        </p:txBody>
+      </p:sp>
+      <p:sp>
+        <p:nvSpPr>
+          <p:cNvPr id="4" name="Content Placeholder 3"/>
+          <p:cNvSpPr>
+            <a:spLocks noGrp="1"/>
+          </p:cNvSpPr>
+          <p:nvPr>
+            <p:ph sz="half" idx="2"/>
+          </p:nvPr>
+        </p:nvSpPr>
+        <p:spPr/>
+        <p:txBody>
+          <a:bodyPr/>
+          <a:lstStyle/>
+          <a:p>
+            <a:r>
+              <a:rPr lang="en-US" dirty="0" smtClean="0"/>
+              <a:t>JavaScript, HTML,CSS</a:t>
+            </a:r>
+          </a:p>
+          <a:p>
+            <a:r>
+              <a:rPr lang="en-US" dirty="0" err="1" smtClean="0"/>
+              <a:t>JavaScript,HTML,CSS</a:t>
+            </a:r>
+            <a:endParaRPr lang="en-US" dirty="0" smtClean="0"/>
+          </a:p>
+          <a:p>
+            <a:r>
+              <a:rPr lang="en-US" dirty="0" smtClean="0"/>
+              <a:t>HTML,CSS</a:t>
+            </a:r>
+          </a:p>
+          <a:p>
+            <a:r>
+              <a:rPr lang="en-US" dirty="0" err="1" smtClean="0"/>
+              <a:t>JavaScript,HTML,CSS</a:t>
+            </a:r>
+            <a:endParaRPr lang="en-US" dirty="0" smtClean="0"/>
+          </a:p>
+          <a:p>
+            <a:r>
+              <a:rPr lang="en-US" dirty="0" smtClean="0"/>
+              <a:t>HTML,CSS</a:t>
             </a:r>
             <a:endParaRPr lang="bg-BG" dirty="0"/>
           </a:p>
@@ -3345,20 +3418,13 @@
     </p:spTree>
     <p:extLst>
       <p:ext uri="{BB962C8B-B14F-4D97-AF65-F5344CB8AC3E}">
-        <p14:creationId xmlns:p14="http://schemas.microsoft.com/office/powerpoint/2010/main" val="492649389"/>
+        <p14:creationId xmlns:p14="http://schemas.microsoft.com/office/powerpoint/2010/main" val="2698646660"/>
       </p:ext>
     </p:extLst>
   </p:cSld>
   <p:clrMapOvr>
     <a:masterClrMapping/>
   </p:clrMapOvr>
-  <p:timing>
-    <p:tnLst>
-      <p:par>
-        <p:cTn id="1" dur="indefinite" restart="never" nodeType="tmRoot"/>
-      </p:par>
-    </p:tnLst>
-  </p:timing>
 </p:sld>
 </file>
 
@@ -3381,7 +3447,7 @@
       </p:grpSpPr>
       <p:sp>
         <p:nvSpPr>
-          <p:cNvPr id="2" name="Title 1"/>
+          <p:cNvPr id="3" name="Title 2"/>
           <p:cNvSpPr>
             <a:spLocks noGrp="1"/>
           </p:cNvSpPr>
@@ -3396,7 +3462,7 @@
           <a:p>
             <a:r>
               <a:rPr lang="bg-BG" dirty="0" smtClean="0"/>
-              <a:t>Петър</a:t>
+              <a:t>Проблем</a:t>
             </a:r>
             <a:endParaRPr lang="bg-BG" dirty="0"/>
           </a:p>
@@ -3404,7 +3470,7 @@
       </p:sp>
       <p:sp>
         <p:nvSpPr>
-          <p:cNvPr id="3" name="Content Placeholder 2"/>
+          <p:cNvPr id="2" name="Content Placeholder 1"/>
           <p:cNvSpPr>
             <a:spLocks noGrp="1"/>
           </p:cNvSpPr>
@@ -3416,6 +3482,12 @@
         <p:txBody>
           <a:bodyPr/>
           <a:lstStyle/>
+          <a:p>
+            <a:r>
+              <a:rPr lang="bg-BG" dirty="0" smtClean="0"/>
+              <a:t>Хората рядко ходят при личните си лекари, поради което те не забелязват симптомите на болестите навреме. </a:t>
+            </a:r>
+          </a:p>
           <a:p>
             <a:endParaRPr lang="bg-BG" dirty="0"/>
           </a:p>
@@ -3424,7 +3496,7 @@
     </p:spTree>
     <p:extLst>
       <p:ext uri="{BB962C8B-B14F-4D97-AF65-F5344CB8AC3E}">
-        <p14:creationId xmlns:p14="http://schemas.microsoft.com/office/powerpoint/2010/main" val="3032516085"/>
+        <p14:creationId xmlns:p14="http://schemas.microsoft.com/office/powerpoint/2010/main" val="492649389"/>
       </p:ext>
     </p:extLst>
   </p:cSld>
@@ -3470,40 +3542,94 @@
         </p:nvSpPr>
         <p:spPr/>
         <p:txBody>
-          <a:bodyPr/>
-          <a:lstStyle/>
+          <a:bodyPr>
+            <a:normAutofit fontScale="90000"/>
+          </a:bodyPr>
+          <a:lstStyle/>
+          <a:p>
+            <a:r>
+              <a:rPr lang="ru-RU" dirty="0" smtClean="0"/>
+              <a:t>Представяне </a:t>
+            </a:r>
+            <a:r>
+              <a:rPr lang="ru-RU" dirty="0"/>
+              <a:t>на проекта и проблемите, които разрешава</a:t>
+            </a:r>
+            <a:endParaRPr lang="bg-BG" dirty="0"/>
+          </a:p>
+        </p:txBody>
+      </p:sp>
+      <p:sp>
+        <p:nvSpPr>
+          <p:cNvPr id="3" name="Content Placeholder 2"/>
+          <p:cNvSpPr>
+            <a:spLocks noGrp="1"/>
+          </p:cNvSpPr>
+          <p:nvPr>
+            <p:ph idx="1"/>
+          </p:nvPr>
+        </p:nvSpPr>
+        <p:spPr/>
+        <p:txBody>
+          <a:bodyPr/>
+          <a:lstStyle/>
+          <a:p>
+            <a:pPr marL="0" indent="0">
+              <a:buNone/>
+            </a:pPr>
+            <a:endParaRPr lang="bg-BG" dirty="0" smtClean="0"/>
+          </a:p>
           <a:p>
             <a:r>
               <a:rPr lang="bg-BG" dirty="0" smtClean="0"/>
-              <a:t>Виктория</a:t>
-            </a:r>
-            <a:endParaRPr lang="bg-BG" dirty="0"/>
-          </a:p>
-        </p:txBody>
-      </p:sp>
-      <p:sp>
-        <p:nvSpPr>
-          <p:cNvPr id="3" name="Content Placeholder 2"/>
-          <p:cNvSpPr>
-            <a:spLocks noGrp="1"/>
-          </p:cNvSpPr>
-          <p:nvPr>
-            <p:ph idx="1"/>
-          </p:nvPr>
-        </p:nvSpPr>
-        <p:spPr/>
-        <p:txBody>
-          <a:bodyPr/>
-          <a:lstStyle/>
-          <a:p>
-            <a:endParaRPr lang="bg-BG"/>
+              <a:t>Платформата представлява </a:t>
+            </a:r>
+            <a:r>
+              <a:rPr lang="bg-BG" dirty="0" smtClean="0"/>
+              <a:t>въпроси, които се </a:t>
+            </a:r>
+            <a:r>
+              <a:rPr lang="bg-BG" dirty="0" smtClean="0"/>
+              <a:t> задават </a:t>
+            </a:r>
+            <a:r>
+              <a:rPr lang="bg-BG" dirty="0" smtClean="0"/>
+              <a:t>от лекарите, когато се търсят симптоми на някоя от дадените  </a:t>
+            </a:r>
+            <a:r>
+              <a:rPr lang="bg-BG" dirty="0" smtClean="0"/>
+              <a:t>болести: </a:t>
+            </a:r>
+            <a:r>
+              <a:rPr lang="bg-BG" dirty="0" err="1" smtClean="0"/>
+              <a:t>Алцхаймер</a:t>
+            </a:r>
+            <a:r>
+              <a:rPr lang="bg-BG" dirty="0" smtClean="0"/>
+              <a:t>,  диабет, </a:t>
+            </a:r>
+            <a:r>
+              <a:rPr lang="bg-BG" dirty="0" err="1" smtClean="0"/>
+              <a:t>анорексия</a:t>
+            </a:r>
+            <a:r>
+              <a:rPr lang="bg-BG" dirty="0" smtClean="0"/>
+              <a:t>, късогледство и далтонизъм.</a:t>
+            </a:r>
+          </a:p>
+          <a:p>
+            <a:r>
+              <a:rPr lang="bg-BG" dirty="0" smtClean="0"/>
+              <a:t>Проектът се съсредоточава върху възможността за дадена болест, а не за нейното наличие.</a:t>
+            </a:r>
+            <a:endParaRPr lang="bg-BG" dirty="0" smtClean="0"/>
           </a:p>
         </p:txBody>
       </p:sp>
     </p:spTree>
     <p:extLst>
       <p:ext uri="{BB962C8B-B14F-4D97-AF65-F5344CB8AC3E}">
-        <p14:creationId xmlns:p14="http://schemas.microsoft.com/office/powerpoint/2010/main" val="1477138462"/>
+        <p14:creationId xmlns:p14="http://schemas.microsoft.com/office/powerpoint/2010/main" val="3348691918"/>
       </p:ext>
     </p:extLst>
   </p:cSld>
@@ -3549,12 +3675,14 @@
         </p:nvSpPr>
         <p:spPr/>
         <p:txBody>
-          <a:bodyPr/>
+          <a:bodyPr>
+            <a:normAutofit/>
+          </a:bodyPr>
           <a:lstStyle/>
           <a:p>
             <a:r>
               <a:rPr lang="bg-BG" dirty="0" smtClean="0"/>
-              <a:t>Владислав</a:t>
+              <a:t>Използвани технологии</a:t>
             </a:r>
             <a:endParaRPr lang="bg-BG" dirty="0"/>
           </a:p>
@@ -3575,28 +3703,22 @@
           <a:bodyPr/>
           <a:lstStyle/>
           <a:p>
-            <a:r>
-              <a:rPr lang="bg-BG" dirty="0" smtClean="0"/>
-              <a:t>Подобрявал </a:t>
-            </a:r>
             <a:r>
               <a:rPr lang="en-US" dirty="0" smtClean="0"/>
               <a:t>HTML</a:t>
             </a:r>
-            <a:r>
-              <a:rPr lang="ru-RU" dirty="0" smtClean="0"/>
-              <a:t> и </a:t>
-            </a:r>
+          </a:p>
+          <a:p>
             <a:r>
               <a:rPr lang="en-US" dirty="0" smtClean="0"/>
-              <a:t> CSS</a:t>
-            </a:r>
-            <a:r>
-              <a:rPr lang="bg-BG" dirty="0" smtClean="0"/>
-              <a:t> кода</a:t>
-            </a:r>
-          </a:p>
-          <a:p>
+              <a:t>JavaScript</a:t>
+            </a:r>
+          </a:p>
+          <a:p>
+            <a:r>
+              <a:rPr lang="en-US" dirty="0" smtClean="0"/>
+              <a:t>CSS</a:t>
+            </a:r>
             <a:endParaRPr lang="bg-BG" dirty="0"/>
           </a:p>
         </p:txBody>
@@ -3604,7 +3726,7 @@
     </p:spTree>
     <p:extLst>
       <p:ext uri="{BB962C8B-B14F-4D97-AF65-F5344CB8AC3E}">
-        <p14:creationId xmlns:p14="http://schemas.microsoft.com/office/powerpoint/2010/main" val="3202442797"/>
+        <p14:creationId xmlns:p14="http://schemas.microsoft.com/office/powerpoint/2010/main" val="1812092384"/>
       </p:ext>
     </p:extLst>
   </p:cSld>
@@ -3648,7 +3770,12 @@
             <p:ph type="title"/>
           </p:nvPr>
         </p:nvSpPr>
-        <p:spPr/>
+        <p:spPr>
+          <a:xfrm>
+            <a:off x="467544" y="764704"/>
+            <a:ext cx="8229600" cy="1219200"/>
+          </a:xfrm>
+        </p:spPr>
         <p:txBody>
           <a:bodyPr>
             <a:normAutofit fontScale="90000"/>
@@ -3657,11 +3784,11 @@
           <a:p>
             <a:r>
               <a:rPr lang="ru-RU" dirty="0" smtClean="0"/>
-              <a:t>Представяне </a:t>
+              <a:t>Трудности</a:t>
             </a:r>
             <a:r>
               <a:rPr lang="ru-RU" dirty="0"/>
-              <a:t>на проекта и проблемите, които разрешава</a:t>
+              <a:t>, срещнати по пътя на разработка и как са били превъзмогнати</a:t>
             </a:r>
             <a:endParaRPr lang="bg-BG" dirty="0"/>
           </a:p>
@@ -3677,30 +3804,25 @@
             <p:ph idx="1"/>
           </p:nvPr>
         </p:nvSpPr>
-        <p:spPr/>
-        <p:txBody>
-          <a:bodyPr/>
-          <a:lstStyle/>
-          <a:p>
-            <a:r>
-              <a:rPr lang="bg-BG" dirty="0" err="1" smtClean="0"/>
-              <a:t>Здравно-профилактично-превентационен</a:t>
-            </a:r>
+        <p:spPr>
+          <a:xfrm>
+            <a:off x="539552" y="2204864"/>
+            <a:ext cx="8229600" cy="4572000"/>
+          </a:xfrm>
+        </p:spPr>
+        <p:txBody>
+          <a:bodyPr/>
+          <a:lstStyle/>
+          <a:p>
             <a:r>
               <a:rPr lang="bg-BG" dirty="0" smtClean="0"/>
-              <a:t> сайт (НЕ ДИАГНОСТИЦИРАЩ!), създаден с цел подобряване на общественото състояние чрез анкетиране на част от обществото.</a:t>
-            </a:r>
-          </a:p>
-          <a:p>
-            <a:pPr marL="0" indent="0">
-              <a:buNone/>
-            </a:pPr>
-            <a:endParaRPr lang="bg-BG" dirty="0" smtClean="0"/>
+              <a:t>Създаване на търсачка за симптоми на дадени болести</a:t>
+            </a:r>
           </a:p>
           <a:p>
             <a:r>
               <a:rPr lang="bg-BG" dirty="0" smtClean="0"/>
-              <a:t>Сайтът задава въпроси, които се задават винаги от лекарите, когато се търсят симптоми на някоя от дадените  болести.</a:t>
+              <a:t>Съгласуване на интерфейса на всички страници</a:t>
             </a:r>
           </a:p>
         </p:txBody>
@@ -3708,7 +3830,7 @@
     </p:spTree>
     <p:extLst>
       <p:ext uri="{BB962C8B-B14F-4D97-AF65-F5344CB8AC3E}">
-        <p14:creationId xmlns:p14="http://schemas.microsoft.com/office/powerpoint/2010/main" val="3348691918"/>
+        <p14:creationId xmlns:p14="http://schemas.microsoft.com/office/powerpoint/2010/main" val="91743065"/>
       </p:ext>
     </p:extLst>
   </p:cSld>
@@ -3755,212 +3877,11 @@
         <p:spPr/>
         <p:txBody>
           <a:bodyPr>
-            <a:normAutofit/>
-          </a:bodyPr>
-          <a:lstStyle/>
-          <a:p>
-            <a:r>
-              <a:rPr lang="bg-BG" dirty="0" smtClean="0"/>
-              <a:t>Използвани технологии</a:t>
-            </a:r>
-            <a:endParaRPr lang="bg-BG" dirty="0"/>
-          </a:p>
-        </p:txBody>
-      </p:sp>
-      <p:sp>
-        <p:nvSpPr>
-          <p:cNvPr id="3" name="Content Placeholder 2"/>
-          <p:cNvSpPr>
-            <a:spLocks noGrp="1"/>
-          </p:cNvSpPr>
-          <p:nvPr>
-            <p:ph idx="1"/>
-          </p:nvPr>
-        </p:nvSpPr>
-        <p:spPr/>
-        <p:txBody>
-          <a:bodyPr/>
-          <a:lstStyle/>
-          <a:p>
-            <a:r>
-              <a:rPr lang="en-US" dirty="0" smtClean="0"/>
-              <a:t>HTML</a:t>
-            </a:r>
-          </a:p>
-          <a:p>
-            <a:r>
-              <a:rPr lang="en-US" dirty="0" smtClean="0"/>
-              <a:t>JavaScript</a:t>
-            </a:r>
-          </a:p>
-          <a:p>
-            <a:r>
-              <a:rPr lang="en-US" dirty="0" smtClean="0"/>
-              <a:t>CSS</a:t>
-            </a:r>
-            <a:endParaRPr lang="bg-BG" dirty="0"/>
-          </a:p>
-        </p:txBody>
-      </p:sp>
-    </p:spTree>
-    <p:extLst>
-      <p:ext uri="{BB962C8B-B14F-4D97-AF65-F5344CB8AC3E}">
-        <p14:creationId xmlns:p14="http://schemas.microsoft.com/office/powerpoint/2010/main" val="1812092384"/>
-      </p:ext>
-    </p:extLst>
-  </p:cSld>
-  <p:clrMapOvr>
-    <a:masterClrMapping/>
-  </p:clrMapOvr>
-  <p:timing>
-    <p:tnLst>
-      <p:par>
-        <p:cTn id="1" dur="indefinite" restart="never" nodeType="tmRoot"/>
-      </p:par>
-    </p:tnLst>
-  </p:timing>
-</p:sld>
-</file>
-
-<file path=ppt/slides/slide8.xml><?xml version="1.0" encoding="utf-8"?>
-<p:sld xmlns:a="http://schemas.openxmlformats.org/drawingml/2006/main" xmlns:r="http://schemas.openxmlformats.org/officeDocument/2006/relationships" xmlns:p="http://schemas.openxmlformats.org/presentationml/2006/main">
-  <p:cSld>
-    <p:spTree>
-      <p:nvGrpSpPr>
-        <p:cNvPr id="1" name=""/>
-        <p:cNvGrpSpPr/>
-        <p:nvPr/>
-      </p:nvGrpSpPr>
-      <p:grpSpPr>
-        <a:xfrm>
-          <a:off x="0" y="0"/>
-          <a:ext cx="0" cy="0"/>
-          <a:chOff x="0" y="0"/>
-          <a:chExt cx="0" cy="0"/>
-        </a:xfrm>
-      </p:grpSpPr>
-      <p:sp>
-        <p:nvSpPr>
-          <p:cNvPr id="2" name="Title 1"/>
-          <p:cNvSpPr>
-            <a:spLocks noGrp="1"/>
-          </p:cNvSpPr>
-          <p:nvPr>
-            <p:ph type="title"/>
-          </p:nvPr>
-        </p:nvSpPr>
-        <p:spPr>
-          <a:xfrm>
-            <a:off x="467544" y="764704"/>
-            <a:ext cx="8229600" cy="1219200"/>
-          </a:xfrm>
-        </p:spPr>
-        <p:txBody>
-          <a:bodyPr>
             <a:normAutofit fontScale="90000"/>
           </a:bodyPr>
           <a:lstStyle/>
           <a:p>
             <a:r>
-              <a:rPr lang="ru-RU" dirty="0" smtClean="0"/>
-              <a:t>Трудности</a:t>
-            </a:r>
-            <a:r>
-              <a:rPr lang="ru-RU" dirty="0"/>
-              <a:t>, срещнати по пътя на разработка и как са били превъзмогнати</a:t>
-            </a:r>
-            <a:endParaRPr lang="bg-BG" dirty="0"/>
-          </a:p>
-        </p:txBody>
-      </p:sp>
-      <p:sp>
-        <p:nvSpPr>
-          <p:cNvPr id="3" name="Content Placeholder 2"/>
-          <p:cNvSpPr>
-            <a:spLocks noGrp="1"/>
-          </p:cNvSpPr>
-          <p:nvPr>
-            <p:ph idx="1"/>
-          </p:nvPr>
-        </p:nvSpPr>
-        <p:spPr>
-          <a:xfrm>
-            <a:off x="539552" y="2204864"/>
-            <a:ext cx="8229600" cy="4572000"/>
-          </a:xfrm>
-        </p:spPr>
-        <p:txBody>
-          <a:bodyPr/>
-          <a:lstStyle/>
-          <a:p>
-            <a:r>
-              <a:rPr lang="bg-BG" dirty="0" smtClean="0"/>
-              <a:t>Създаване на търсачка за симптоми на дадени болести</a:t>
-            </a:r>
-          </a:p>
-          <a:p>
-            <a:r>
-              <a:rPr lang="bg-BG" dirty="0" smtClean="0"/>
-              <a:t>Съгласуване на интерфейса на всички страници</a:t>
-            </a:r>
-          </a:p>
-        </p:txBody>
-      </p:sp>
-    </p:spTree>
-    <p:extLst>
-      <p:ext uri="{BB962C8B-B14F-4D97-AF65-F5344CB8AC3E}">
-        <p14:creationId xmlns:p14="http://schemas.microsoft.com/office/powerpoint/2010/main" val="91743065"/>
-      </p:ext>
-    </p:extLst>
-  </p:cSld>
-  <p:clrMapOvr>
-    <a:masterClrMapping/>
-  </p:clrMapOvr>
-  <p:timing>
-    <p:tnLst>
-      <p:par>
-        <p:cTn id="1" dur="indefinite" restart="never" nodeType="tmRoot"/>
-      </p:par>
-    </p:tnLst>
-  </p:timing>
-</p:sld>
-</file>
-
-<file path=ppt/slides/slide9.xml><?xml version="1.0" encoding="utf-8"?>
-<p:sld xmlns:a="http://schemas.openxmlformats.org/drawingml/2006/main" xmlns:r="http://schemas.openxmlformats.org/officeDocument/2006/relationships" xmlns:p="http://schemas.openxmlformats.org/presentationml/2006/main">
-  <p:cSld>
-    <p:spTree>
-      <p:nvGrpSpPr>
-        <p:cNvPr id="1" name=""/>
-        <p:cNvGrpSpPr/>
-        <p:nvPr/>
-      </p:nvGrpSpPr>
-      <p:grpSpPr>
-        <a:xfrm>
-          <a:off x="0" y="0"/>
-          <a:ext cx="0" cy="0"/>
-          <a:chOff x="0" y="0"/>
-          <a:chExt cx="0" cy="0"/>
-        </a:xfrm>
-      </p:grpSpPr>
-      <p:sp>
-        <p:nvSpPr>
-          <p:cNvPr id="2" name="Title 1"/>
-          <p:cNvSpPr>
-            <a:spLocks noGrp="1"/>
-          </p:cNvSpPr>
-          <p:nvPr>
-            <p:ph type="title"/>
-          </p:nvPr>
-        </p:nvSpPr>
-        <p:spPr/>
-        <p:txBody>
-          <a:bodyPr>
-            <a:normAutofit fontScale="90000"/>
-          </a:bodyPr>
-          <a:lstStyle/>
-          <a:p>
-            <a:r>
               <a:rPr lang="bg-BG" dirty="0" smtClean="0"/>
               <a:t>Бъдеща </a:t>
             </a:r>
@@ -4004,19 +3925,15 @@
               <a:t>Записване на информация за </a:t>
             </a:r>
             <a:r>
-              <a:rPr lang="bg-BG" dirty="0" err="1" smtClean="0"/>
-              <a:t>анктиране</a:t>
+              <a:rPr lang="bg-BG" dirty="0" smtClean="0"/>
+              <a:t>анкетиране</a:t>
             </a:r>
             <a:endParaRPr lang="bg-BG" dirty="0" smtClean="0"/>
           </a:p>
           <a:p>
             <a:r>
-              <a:rPr lang="bg-BG" smtClean="0"/>
-              <a:t>Добавяне </a:t>
-            </a:r>
-            <a:r>
               <a:rPr lang="bg-BG" dirty="0" smtClean="0"/>
-              <a:t>на повече достоверна информация и премахване на ненужната и грешна такава</a:t>
+              <a:t>Добавяне на повече достоверна информация и премахване на ненужната и грешна такава</a:t>
             </a:r>
           </a:p>
         </p:txBody>
